--- a/examples/docs/design.pptx
+++ b/examples/docs/design.pptx
@@ -6,6 +6,7 @@
   </p:sldMasterIdLst>
   <p:sldIdLst>
     <p:sldId id="256" r:id="rId2"/>
+    <p:sldId id="257" r:id="rId3"/>
   </p:sldIdLst>
   <p:sldSz cx="12192000" cy="6858000"/>
   <p:notesSz cx="6858000" cy="9144000"/>
@@ -259,7 +260,7 @@
           <a:p>
             <a:fld id="{F9321E79-B202-C941-A34A-CDB3A7C81E4A}" type="datetimeFigureOut">
               <a:rPr lang="en-US" smtClean="0"/>
-              <a:t>7/30/19</a:t>
+              <a:t>10/20/19</a:t>
             </a:fld>
             <a:endParaRPr lang="en-US"/>
           </a:p>
@@ -457,7 +458,7 @@
           <a:p>
             <a:fld id="{F9321E79-B202-C941-A34A-CDB3A7C81E4A}" type="datetimeFigureOut">
               <a:rPr lang="en-US" smtClean="0"/>
-              <a:t>7/30/19</a:t>
+              <a:t>10/20/19</a:t>
             </a:fld>
             <a:endParaRPr lang="en-US"/>
           </a:p>
@@ -665,7 +666,7 @@
           <a:p>
             <a:fld id="{F9321E79-B202-C941-A34A-CDB3A7C81E4A}" type="datetimeFigureOut">
               <a:rPr lang="en-US" smtClean="0"/>
-              <a:t>7/30/19</a:t>
+              <a:t>10/20/19</a:t>
             </a:fld>
             <a:endParaRPr lang="en-US"/>
           </a:p>
@@ -863,7 +864,7 @@
           <a:p>
             <a:fld id="{F9321E79-B202-C941-A34A-CDB3A7C81E4A}" type="datetimeFigureOut">
               <a:rPr lang="en-US" smtClean="0"/>
-              <a:t>7/30/19</a:t>
+              <a:t>10/20/19</a:t>
             </a:fld>
             <a:endParaRPr lang="en-US"/>
           </a:p>
@@ -1138,7 +1139,7 @@
           <a:p>
             <a:fld id="{F9321E79-B202-C941-A34A-CDB3A7C81E4A}" type="datetimeFigureOut">
               <a:rPr lang="en-US" smtClean="0"/>
-              <a:t>7/30/19</a:t>
+              <a:t>10/20/19</a:t>
             </a:fld>
             <a:endParaRPr lang="en-US"/>
           </a:p>
@@ -1403,7 +1404,7 @@
           <a:p>
             <a:fld id="{F9321E79-B202-C941-A34A-CDB3A7C81E4A}" type="datetimeFigureOut">
               <a:rPr lang="en-US" smtClean="0"/>
-              <a:t>7/30/19</a:t>
+              <a:t>10/20/19</a:t>
             </a:fld>
             <a:endParaRPr lang="en-US"/>
           </a:p>
@@ -1815,7 +1816,7 @@
           <a:p>
             <a:fld id="{F9321E79-B202-C941-A34A-CDB3A7C81E4A}" type="datetimeFigureOut">
               <a:rPr lang="en-US" smtClean="0"/>
-              <a:t>7/30/19</a:t>
+              <a:t>10/20/19</a:t>
             </a:fld>
             <a:endParaRPr lang="en-US"/>
           </a:p>
@@ -1956,7 +1957,7 @@
           <a:p>
             <a:fld id="{F9321E79-B202-C941-A34A-CDB3A7C81E4A}" type="datetimeFigureOut">
               <a:rPr lang="en-US" smtClean="0"/>
-              <a:t>7/30/19</a:t>
+              <a:t>10/20/19</a:t>
             </a:fld>
             <a:endParaRPr lang="en-US"/>
           </a:p>
@@ -2069,7 +2070,7 @@
           <a:p>
             <a:fld id="{F9321E79-B202-C941-A34A-CDB3A7C81E4A}" type="datetimeFigureOut">
               <a:rPr lang="en-US" smtClean="0"/>
-              <a:t>7/30/19</a:t>
+              <a:t>10/20/19</a:t>
             </a:fld>
             <a:endParaRPr lang="en-US"/>
           </a:p>
@@ -2380,7 +2381,7 @@
           <a:p>
             <a:fld id="{F9321E79-B202-C941-A34A-CDB3A7C81E4A}" type="datetimeFigureOut">
               <a:rPr lang="en-US" smtClean="0"/>
-              <a:t>7/30/19</a:t>
+              <a:t>10/20/19</a:t>
             </a:fld>
             <a:endParaRPr lang="en-US"/>
           </a:p>
@@ -2668,7 +2669,7 @@
           <a:p>
             <a:fld id="{F9321E79-B202-C941-A34A-CDB3A7C81E4A}" type="datetimeFigureOut">
               <a:rPr lang="en-US" smtClean="0"/>
-              <a:t>7/30/19</a:t>
+              <a:t>10/20/19</a:t>
             </a:fld>
             <a:endParaRPr lang="en-US"/>
           </a:p>
@@ -2909,7 +2910,7 @@
           <a:p>
             <a:fld id="{F9321E79-B202-C941-A34A-CDB3A7C81E4A}" type="datetimeFigureOut">
               <a:rPr lang="en-US" smtClean="0"/>
-              <a:t>7/30/19</a:t>
+              <a:t>10/20/19</a:t>
             </a:fld>
             <a:endParaRPr lang="en-US"/>
           </a:p>
@@ -4003,6 +4004,593 @@
 </p:sld>
 </file>
 
+<file path=ppt/slides/slide2.xml><?xml version="1.0" encoding="utf-8"?>
+<p:sld xmlns:a="http://schemas.openxmlformats.org/drawingml/2006/main" xmlns:r="http://schemas.openxmlformats.org/officeDocument/2006/relationships" xmlns:p="http://schemas.openxmlformats.org/presentationml/2006/main">
+  <p:cSld>
+    <p:spTree>
+      <p:nvGrpSpPr>
+        <p:cNvPr id="1" name=""/>
+        <p:cNvGrpSpPr/>
+        <p:nvPr/>
+      </p:nvGrpSpPr>
+      <p:grpSpPr>
+        <a:xfrm>
+          <a:off x="0" y="0"/>
+          <a:ext cx="0" cy="0"/>
+          <a:chOff x="0" y="0"/>
+          <a:chExt cx="0" cy="0"/>
+        </a:xfrm>
+      </p:grpSpPr>
+      <p:sp>
+        <p:nvSpPr>
+          <p:cNvPr id="2" name="Title 1">
+            <a:extLst>
+              <a:ext uri="{FF2B5EF4-FFF2-40B4-BE49-F238E27FC236}">
+                <a16:creationId xmlns:a16="http://schemas.microsoft.com/office/drawing/2014/main" id="{5E12142A-7C4E-0D43-9C90-96E173BC7128}"/>
+              </a:ext>
+            </a:extLst>
+          </p:cNvPr>
+          <p:cNvSpPr>
+            <a:spLocks noGrp="1"/>
+          </p:cNvSpPr>
+          <p:nvPr>
+            <p:ph type="title"/>
+          </p:nvPr>
+        </p:nvSpPr>
+        <p:spPr>
+          <a:xfrm>
+            <a:off x="838200" y="365126"/>
+            <a:ext cx="10515600" cy="393632"/>
+          </a:xfrm>
+        </p:spPr>
+        <p:txBody>
+          <a:bodyPr>
+            <a:normAutofit/>
+          </a:bodyPr>
+          <a:lstStyle/>
+          <a:p>
+            <a:r>
+              <a:rPr lang="en-US" sz="1800">
+                <a:latin typeface="+mn-lt"/>
+                <a:ea typeface="+mn-ea"/>
+                <a:cs typeface="+mn-cs"/>
+              </a:rPr>
+              <a:t>examples/senior-practices/micro-proxy</a:t>
+            </a:r>
+          </a:p>
+        </p:txBody>
+      </p:sp>
+      <p:sp>
+        <p:nvSpPr>
+          <p:cNvPr id="5" name="Rectangle 4">
+            <a:extLst>
+              <a:ext uri="{FF2B5EF4-FFF2-40B4-BE49-F238E27FC236}">
+                <a16:creationId xmlns:a16="http://schemas.microsoft.com/office/drawing/2014/main" id="{F15A2D09-B4EA-3540-B9E8-E91D01A9B51F}"/>
+              </a:ext>
+            </a:extLst>
+          </p:cNvPr>
+          <p:cNvSpPr/>
+          <p:nvPr/>
+        </p:nvSpPr>
+        <p:spPr>
+          <a:xfrm>
+            <a:off x="8239328" y="1799695"/>
+            <a:ext cx="1940668" cy="2548487"/>
+          </a:xfrm>
+          <a:prstGeom prst="rect">
+            <a:avLst/>
+          </a:prstGeom>
+          <a:solidFill>
+            <a:schemeClr val="bg1"/>
+          </a:solidFill>
+        </p:spPr>
+        <p:style>
+          <a:lnRef idx="2">
+            <a:schemeClr val="accent1">
+              <a:shade val="50000"/>
+            </a:schemeClr>
+          </a:lnRef>
+          <a:fillRef idx="1">
+            <a:schemeClr val="accent1"/>
+          </a:fillRef>
+          <a:effectRef idx="0">
+            <a:schemeClr val="accent1"/>
+          </a:effectRef>
+          <a:fontRef idx="minor">
+            <a:schemeClr val="lt1"/>
+          </a:fontRef>
+        </p:style>
+        <p:txBody>
+          <a:bodyPr rtlCol="0" anchor="ctr"/>
+          <a:lstStyle/>
+          <a:p>
+            <a:pPr algn="ctr"/>
+            <a:endParaRPr lang="en-US"/>
+          </a:p>
+        </p:txBody>
+      </p:sp>
+      <p:sp>
+        <p:nvSpPr>
+          <p:cNvPr id="9" name="TextBox 8">
+            <a:extLst>
+              <a:ext uri="{FF2B5EF4-FFF2-40B4-BE49-F238E27FC236}">
+                <a16:creationId xmlns:a16="http://schemas.microsoft.com/office/drawing/2014/main" id="{516B2FBA-D9D0-1C46-8781-1229168EFAC2}"/>
+              </a:ext>
+            </a:extLst>
+          </p:cNvPr>
+          <p:cNvSpPr txBox="1"/>
+          <p:nvPr/>
+        </p:nvSpPr>
+        <p:spPr>
+          <a:xfrm>
+            <a:off x="8146914" y="1488332"/>
+            <a:ext cx="880354" cy="369332"/>
+          </a:xfrm>
+          <a:prstGeom prst="rect">
+            <a:avLst/>
+          </a:prstGeom>
+          <a:noFill/>
+        </p:spPr>
+        <p:txBody>
+          <a:bodyPr wrap="square" rtlCol="0">
+            <a:spAutoFit/>
+          </a:bodyPr>
+          <a:lstStyle/>
+          <a:p>
+            <a:r>
+              <a:rPr lang="en-US"/>
+              <a:t>Consul</a:t>
+            </a:r>
+          </a:p>
+        </p:txBody>
+      </p:sp>
+      <p:sp>
+        <p:nvSpPr>
+          <p:cNvPr id="10" name="Rectangle 9">
+            <a:extLst>
+              <a:ext uri="{FF2B5EF4-FFF2-40B4-BE49-F238E27FC236}">
+                <a16:creationId xmlns:a16="http://schemas.microsoft.com/office/drawing/2014/main" id="{75BFDC84-ADEE-7A42-B91B-4C60BA34E7B3}"/>
+              </a:ext>
+            </a:extLst>
+          </p:cNvPr>
+          <p:cNvSpPr/>
+          <p:nvPr/>
+        </p:nvSpPr>
+        <p:spPr>
+          <a:xfrm>
+            <a:off x="2012005" y="1799695"/>
+            <a:ext cx="1820693" cy="2548487"/>
+          </a:xfrm>
+          <a:prstGeom prst="rect">
+            <a:avLst/>
+          </a:prstGeom>
+          <a:solidFill>
+            <a:schemeClr val="bg1"/>
+          </a:solidFill>
+        </p:spPr>
+        <p:style>
+          <a:lnRef idx="2">
+            <a:schemeClr val="accent1">
+              <a:shade val="50000"/>
+            </a:schemeClr>
+          </a:lnRef>
+          <a:fillRef idx="1">
+            <a:schemeClr val="accent1"/>
+          </a:fillRef>
+          <a:effectRef idx="0">
+            <a:schemeClr val="accent1"/>
+          </a:effectRef>
+          <a:fontRef idx="minor">
+            <a:schemeClr val="lt1"/>
+          </a:fontRef>
+        </p:style>
+        <p:txBody>
+          <a:bodyPr rtlCol="0" anchor="ctr"/>
+          <a:lstStyle/>
+          <a:p>
+            <a:pPr algn="ctr"/>
+            <a:endParaRPr lang="en-US"/>
+          </a:p>
+        </p:txBody>
+      </p:sp>
+      <p:sp>
+        <p:nvSpPr>
+          <p:cNvPr id="13" name="TextBox 12">
+            <a:extLst>
+              <a:ext uri="{FF2B5EF4-FFF2-40B4-BE49-F238E27FC236}">
+                <a16:creationId xmlns:a16="http://schemas.microsoft.com/office/drawing/2014/main" id="{96089857-F137-5049-8BB4-B915E517096A}"/>
+              </a:ext>
+            </a:extLst>
+          </p:cNvPr>
+          <p:cNvSpPr txBox="1"/>
+          <p:nvPr/>
+        </p:nvSpPr>
+        <p:spPr>
+          <a:xfrm>
+            <a:off x="2012005" y="1488332"/>
+            <a:ext cx="880354" cy="369332"/>
+          </a:xfrm>
+          <a:prstGeom prst="rect">
+            <a:avLst/>
+          </a:prstGeom>
+          <a:noFill/>
+        </p:spPr>
+        <p:txBody>
+          <a:bodyPr wrap="square" rtlCol="0">
+            <a:spAutoFit/>
+          </a:bodyPr>
+          <a:lstStyle/>
+          <a:p>
+            <a:r>
+              <a:rPr lang="en-US"/>
+              <a:t>MDNS</a:t>
+            </a:r>
+          </a:p>
+        </p:txBody>
+      </p:sp>
+      <p:sp>
+        <p:nvSpPr>
+          <p:cNvPr id="14" name="Alternate Process 13">
+            <a:extLst>
+              <a:ext uri="{FF2B5EF4-FFF2-40B4-BE49-F238E27FC236}">
+                <a16:creationId xmlns:a16="http://schemas.microsoft.com/office/drawing/2014/main" id="{4D4B2414-613C-EE40-BDD7-6D317045FABB}"/>
+              </a:ext>
+            </a:extLst>
+          </p:cNvPr>
+          <p:cNvSpPr/>
+          <p:nvPr/>
+        </p:nvSpPr>
+        <p:spPr>
+          <a:xfrm>
+            <a:off x="2159657" y="2665379"/>
+            <a:ext cx="1523190" cy="549932"/>
+          </a:xfrm>
+          <a:prstGeom prst="flowChartAlternateProcess">
+            <a:avLst/>
+          </a:prstGeom>
+        </p:spPr>
+        <p:style>
+          <a:lnRef idx="2">
+            <a:schemeClr val="accent1">
+              <a:shade val="50000"/>
+            </a:schemeClr>
+          </a:lnRef>
+          <a:fillRef idx="1">
+            <a:schemeClr val="accent1"/>
+          </a:fillRef>
+          <a:effectRef idx="0">
+            <a:schemeClr val="accent1"/>
+          </a:effectRef>
+          <a:fontRef idx="minor">
+            <a:schemeClr val="lt1"/>
+          </a:fontRef>
+        </p:style>
+        <p:txBody>
+          <a:bodyPr rtlCol="0" anchor="ctr"/>
+          <a:lstStyle/>
+          <a:p>
+            <a:pPr algn="ctr"/>
+            <a:r>
+              <a:rPr lang="en-US">
+                <a:solidFill>
+                  <a:srgbClr val="30BE47"/>
+                </a:solidFill>
+              </a:rPr>
+              <a:t>greeter.client</a:t>
+            </a:r>
+            <a:endParaRPr lang="en-US"/>
+          </a:p>
+        </p:txBody>
+      </p:sp>
+      <p:sp>
+        <p:nvSpPr>
+          <p:cNvPr id="15" name="Alternate Process 14">
+            <a:extLst>
+              <a:ext uri="{FF2B5EF4-FFF2-40B4-BE49-F238E27FC236}">
+                <a16:creationId xmlns:a16="http://schemas.microsoft.com/office/drawing/2014/main" id="{10DBB210-D439-1F43-98F6-3E9AE6193062}"/>
+              </a:ext>
+            </a:extLst>
+          </p:cNvPr>
+          <p:cNvSpPr/>
+          <p:nvPr/>
+        </p:nvSpPr>
+        <p:spPr>
+          <a:xfrm>
+            <a:off x="8402146" y="2670403"/>
+            <a:ext cx="1636797" cy="549932"/>
+          </a:xfrm>
+          <a:prstGeom prst="flowChartAlternateProcess">
+            <a:avLst/>
+          </a:prstGeom>
+        </p:spPr>
+        <p:style>
+          <a:lnRef idx="2">
+            <a:schemeClr val="accent1">
+              <a:shade val="50000"/>
+            </a:schemeClr>
+          </a:lnRef>
+          <a:fillRef idx="1">
+            <a:schemeClr val="accent1"/>
+          </a:fillRef>
+          <a:effectRef idx="0">
+            <a:schemeClr val="accent1"/>
+          </a:effectRef>
+          <a:fontRef idx="minor">
+            <a:schemeClr val="lt1"/>
+          </a:fontRef>
+        </p:style>
+        <p:txBody>
+          <a:bodyPr rtlCol="0" anchor="ctr"/>
+          <a:lstStyle/>
+          <a:p>
+            <a:pPr algn="ctr"/>
+            <a:r>
+              <a:rPr lang="en-US">
+                <a:solidFill>
+                  <a:srgbClr val="30BE47"/>
+                </a:solidFill>
+              </a:rPr>
+              <a:t>greeter.service</a:t>
+            </a:r>
+            <a:endParaRPr lang="en-US"/>
+          </a:p>
+        </p:txBody>
+      </p:sp>
+      <p:sp>
+        <p:nvSpPr>
+          <p:cNvPr id="16" name="Rectangle 15">
+            <a:extLst>
+              <a:ext uri="{FF2B5EF4-FFF2-40B4-BE49-F238E27FC236}">
+                <a16:creationId xmlns:a16="http://schemas.microsoft.com/office/drawing/2014/main" id="{C9C3A661-73A8-9E4F-B1E4-127C68AED570}"/>
+              </a:ext>
+            </a:extLst>
+          </p:cNvPr>
+          <p:cNvSpPr/>
+          <p:nvPr/>
+        </p:nvSpPr>
+        <p:spPr>
+          <a:xfrm>
+            <a:off x="5185653" y="1799695"/>
+            <a:ext cx="1820693" cy="2606457"/>
+          </a:xfrm>
+          <a:prstGeom prst="rect">
+            <a:avLst/>
+          </a:prstGeom>
+          <a:solidFill>
+            <a:schemeClr val="bg1"/>
+          </a:solidFill>
+        </p:spPr>
+        <p:style>
+          <a:lnRef idx="2">
+            <a:schemeClr val="accent1">
+              <a:shade val="50000"/>
+            </a:schemeClr>
+          </a:lnRef>
+          <a:fillRef idx="1">
+            <a:schemeClr val="accent1"/>
+          </a:fillRef>
+          <a:effectRef idx="0">
+            <a:schemeClr val="accent1"/>
+          </a:effectRef>
+          <a:fontRef idx="minor">
+            <a:schemeClr val="lt1"/>
+          </a:fontRef>
+        </p:style>
+        <p:txBody>
+          <a:bodyPr rtlCol="0" anchor="ctr"/>
+          <a:lstStyle/>
+          <a:p>
+            <a:pPr algn="ctr"/>
+            <a:endParaRPr lang="en-US"/>
+          </a:p>
+        </p:txBody>
+      </p:sp>
+      <p:sp>
+        <p:nvSpPr>
+          <p:cNvPr id="17" name="Alternate Process 16">
+            <a:extLst>
+              <a:ext uri="{FF2B5EF4-FFF2-40B4-BE49-F238E27FC236}">
+                <a16:creationId xmlns:a16="http://schemas.microsoft.com/office/drawing/2014/main" id="{DC6DEDFA-F451-E042-A35E-2614E7749340}"/>
+              </a:ext>
+            </a:extLst>
+          </p:cNvPr>
+          <p:cNvSpPr/>
+          <p:nvPr/>
+        </p:nvSpPr>
+        <p:spPr>
+          <a:xfrm>
+            <a:off x="5277600" y="2720982"/>
+            <a:ext cx="1636797" cy="549932"/>
+          </a:xfrm>
+          <a:prstGeom prst="flowChartAlternateProcess">
+            <a:avLst/>
+          </a:prstGeom>
+        </p:spPr>
+        <p:style>
+          <a:lnRef idx="2">
+            <a:schemeClr val="accent1">
+              <a:shade val="50000"/>
+            </a:schemeClr>
+          </a:lnRef>
+          <a:fillRef idx="1">
+            <a:schemeClr val="accent1"/>
+          </a:fillRef>
+          <a:effectRef idx="0">
+            <a:schemeClr val="accent1"/>
+          </a:effectRef>
+          <a:fontRef idx="minor">
+            <a:schemeClr val="lt1"/>
+          </a:fontRef>
+        </p:style>
+        <p:txBody>
+          <a:bodyPr rtlCol="0" anchor="ctr"/>
+          <a:lstStyle/>
+          <a:p>
+            <a:pPr algn="ctr"/>
+            <a:r>
+              <a:rPr lang="en-US" altLang="zh-CN"/>
+              <a:t>g</a:t>
+            </a:r>
+            <a:r>
+              <a:rPr lang="en-US"/>
+              <a:t>o</a:t>
+            </a:r>
+            <a:r>
+              <a:rPr lang="en-US" altLang="zh-CN"/>
+              <a:t>.micro.proxy</a:t>
+            </a:r>
+            <a:endParaRPr lang="en-US"/>
+          </a:p>
+        </p:txBody>
+      </p:sp>
+      <p:sp>
+        <p:nvSpPr>
+          <p:cNvPr id="18" name="TextBox 17">
+            <a:extLst>
+              <a:ext uri="{FF2B5EF4-FFF2-40B4-BE49-F238E27FC236}">
+                <a16:creationId xmlns:a16="http://schemas.microsoft.com/office/drawing/2014/main" id="{9456ECC3-E84D-B843-9E18-099D29383073}"/>
+              </a:ext>
+            </a:extLst>
+          </p:cNvPr>
+          <p:cNvSpPr txBox="1"/>
+          <p:nvPr/>
+        </p:nvSpPr>
+        <p:spPr>
+          <a:xfrm>
+            <a:off x="5085136" y="1476529"/>
+            <a:ext cx="1396224" cy="646331"/>
+          </a:xfrm>
+          <a:prstGeom prst="rect">
+            <a:avLst/>
+          </a:prstGeom>
+          <a:noFill/>
+        </p:spPr>
+        <p:txBody>
+          <a:bodyPr wrap="square" rtlCol="0">
+            <a:spAutoFit/>
+          </a:bodyPr>
+          <a:lstStyle/>
+          <a:p>
+            <a:r>
+              <a:rPr lang="en-US" altLang="zh-CN"/>
+              <a:t>m</a:t>
+            </a:r>
+            <a:r>
+              <a:rPr lang="en-US"/>
+              <a:t>icro</a:t>
+            </a:r>
+            <a:r>
+              <a:rPr lang="zh-CN" altLang="en-US"/>
+              <a:t>  </a:t>
+            </a:r>
+            <a:r>
+              <a:rPr lang="en-US" altLang="zh-CN"/>
+              <a:t>proxy</a:t>
+            </a:r>
+            <a:endParaRPr lang="en-US"/>
+          </a:p>
+          <a:p>
+            <a:endParaRPr lang="en-US"/>
+          </a:p>
+        </p:txBody>
+      </p:sp>
+      <p:cxnSp>
+        <p:nvCxnSpPr>
+          <p:cNvPr id="20" name="Straight Arrow Connector 19">
+            <a:extLst>
+              <a:ext uri="{FF2B5EF4-FFF2-40B4-BE49-F238E27FC236}">
+                <a16:creationId xmlns:a16="http://schemas.microsoft.com/office/drawing/2014/main" id="{87672998-A43B-0448-ADBA-2EF4E1774C19}"/>
+              </a:ext>
+            </a:extLst>
+          </p:cNvPr>
+          <p:cNvCxnSpPr>
+            <a:stCxn id="10" idx="3"/>
+            <a:endCxn id="16" idx="1"/>
+          </p:cNvCxnSpPr>
+          <p:nvPr/>
+        </p:nvCxnSpPr>
+        <p:spPr>
+          <a:xfrm>
+            <a:off x="3832698" y="3073939"/>
+            <a:ext cx="1352955" cy="28985"/>
+          </a:xfrm>
+          <a:prstGeom prst="straightConnector1">
+            <a:avLst/>
+          </a:prstGeom>
+          <a:ln>
+            <a:tailEnd type="triangle"/>
+          </a:ln>
+        </p:spPr>
+        <p:style>
+          <a:lnRef idx="1">
+            <a:schemeClr val="accent1"/>
+          </a:lnRef>
+          <a:fillRef idx="0">
+            <a:schemeClr val="accent1"/>
+          </a:fillRef>
+          <a:effectRef idx="0">
+            <a:schemeClr val="accent1"/>
+          </a:effectRef>
+          <a:fontRef idx="minor">
+            <a:schemeClr val="tx1"/>
+          </a:fontRef>
+        </p:style>
+      </p:cxnSp>
+      <p:cxnSp>
+        <p:nvCxnSpPr>
+          <p:cNvPr id="21" name="Straight Arrow Connector 20">
+            <a:extLst>
+              <a:ext uri="{FF2B5EF4-FFF2-40B4-BE49-F238E27FC236}">
+                <a16:creationId xmlns:a16="http://schemas.microsoft.com/office/drawing/2014/main" id="{0F57CB2A-892E-6146-B2D3-74F7E0435B6B}"/>
+              </a:ext>
+            </a:extLst>
+          </p:cNvPr>
+          <p:cNvCxnSpPr>
+            <a:cxnSpLocks/>
+            <a:endCxn id="5" idx="1"/>
+          </p:cNvCxnSpPr>
+          <p:nvPr/>
+        </p:nvCxnSpPr>
+        <p:spPr>
+          <a:xfrm>
+            <a:off x="7002984" y="3055655"/>
+            <a:ext cx="1236344" cy="18284"/>
+          </a:xfrm>
+          <a:prstGeom prst="straightConnector1">
+            <a:avLst/>
+          </a:prstGeom>
+          <a:ln>
+            <a:tailEnd type="triangle"/>
+          </a:ln>
+        </p:spPr>
+        <p:style>
+          <a:lnRef idx="1">
+            <a:schemeClr val="accent1"/>
+          </a:lnRef>
+          <a:fillRef idx="0">
+            <a:schemeClr val="accent1"/>
+          </a:fillRef>
+          <a:effectRef idx="0">
+            <a:schemeClr val="accent1"/>
+          </a:effectRef>
+          <a:fontRef idx="minor">
+            <a:schemeClr val="tx1"/>
+          </a:fontRef>
+        </p:style>
+      </p:cxnSp>
+    </p:spTree>
+    <p:extLst>
+      <p:ext uri="{BB962C8B-B14F-4D97-AF65-F5344CB8AC3E}">
+        <p14:creationId xmlns:p14="http://schemas.microsoft.com/office/powerpoint/2010/main" val="701019198"/>
+      </p:ext>
+    </p:extLst>
+  </p:cSld>
+  <p:clrMapOvr>
+    <a:masterClrMapping/>
+  </p:clrMapOvr>
+</p:sld>
+</file>
+
 <file path=ppt/theme/theme1.xml><?xml version="1.0" encoding="utf-8"?>
 <a:theme xmlns:a="http://schemas.openxmlformats.org/drawingml/2006/main" name="Office Theme">
   <a:themeElements>
